--- a/ppt/Amal Image Forensic Tool ppt.pptx
+++ b/ppt/Amal Image Forensic Tool ppt.pptx
@@ -11,7 +11,9 @@
     <p:sldId id="259" r:id="rId5"/>
     <p:sldId id="260" r:id="rId6"/>
     <p:sldId id="261" r:id="rId7"/>
-    <p:sldId id="262" r:id="rId8"/>
+    <p:sldId id="263" r:id="rId8"/>
+    <p:sldId id="264" r:id="rId9"/>
+    <p:sldId id="262" r:id="rId10"/>
   </p:sldIdLst>
   <p:sldSz cx="9144000" cy="6858000" type="screen4x3"/>
   <p:notesSz cx="6858000" cy="9144000"/>
@@ -307,7 +309,7 @@
           <a:p>
             <a:fld id="{79C1445C-2573-4D78-B315-9402664198ED}" type="datetimeFigureOut">
               <a:rPr lang="en-IN" smtClean="0"/>
-              <a:t>16-03-2021</a:t>
+              <a:t>17-04-2021</a:t>
             </a:fld>
             <a:endParaRPr lang="en-IN"/>
           </a:p>
@@ -472,7 +474,7 @@
           <a:p>
             <a:fld id="{79C1445C-2573-4D78-B315-9402664198ED}" type="datetimeFigureOut">
               <a:rPr lang="en-IN" smtClean="0"/>
-              <a:t>16-03-2021</a:t>
+              <a:t>17-04-2021</a:t>
             </a:fld>
             <a:endParaRPr lang="en-IN"/>
           </a:p>
@@ -647,7 +649,7 @@
           <a:p>
             <a:fld id="{79C1445C-2573-4D78-B315-9402664198ED}" type="datetimeFigureOut">
               <a:rPr lang="en-IN" smtClean="0"/>
-              <a:t>16-03-2021</a:t>
+              <a:t>17-04-2021</a:t>
             </a:fld>
             <a:endParaRPr lang="en-IN"/>
           </a:p>
@@ -812,7 +814,7 @@
           <a:p>
             <a:fld id="{79C1445C-2573-4D78-B315-9402664198ED}" type="datetimeFigureOut">
               <a:rPr lang="en-IN" smtClean="0"/>
-              <a:t>16-03-2021</a:t>
+              <a:t>17-04-2021</a:t>
             </a:fld>
             <a:endParaRPr lang="en-IN"/>
           </a:p>
@@ -1053,7 +1055,7 @@
           <a:p>
             <a:fld id="{79C1445C-2573-4D78-B315-9402664198ED}" type="datetimeFigureOut">
               <a:rPr lang="en-IN" smtClean="0"/>
-              <a:t>16-03-2021</a:t>
+              <a:t>17-04-2021</a:t>
             </a:fld>
             <a:endParaRPr lang="en-IN"/>
           </a:p>
@@ -1336,7 +1338,7 @@
           <a:p>
             <a:fld id="{79C1445C-2573-4D78-B315-9402664198ED}" type="datetimeFigureOut">
               <a:rPr lang="en-IN" smtClean="0"/>
-              <a:t>16-03-2021</a:t>
+              <a:t>17-04-2021</a:t>
             </a:fld>
             <a:endParaRPr lang="en-IN"/>
           </a:p>
@@ -1765,7 +1767,7 @@
           <a:p>
             <a:fld id="{79C1445C-2573-4D78-B315-9402664198ED}" type="datetimeFigureOut">
               <a:rPr lang="en-IN" smtClean="0"/>
-              <a:t>16-03-2021</a:t>
+              <a:t>17-04-2021</a:t>
             </a:fld>
             <a:endParaRPr lang="en-IN"/>
           </a:p>
@@ -1878,7 +1880,7 @@
           <a:p>
             <a:fld id="{79C1445C-2573-4D78-B315-9402664198ED}" type="datetimeFigureOut">
               <a:rPr lang="en-IN" smtClean="0"/>
-              <a:t>16-03-2021</a:t>
+              <a:t>17-04-2021</a:t>
             </a:fld>
             <a:endParaRPr lang="en-IN"/>
           </a:p>
@@ -1968,7 +1970,7 @@
           <a:p>
             <a:fld id="{79C1445C-2573-4D78-B315-9402664198ED}" type="datetimeFigureOut">
               <a:rPr lang="en-IN" smtClean="0"/>
-              <a:t>16-03-2021</a:t>
+              <a:t>17-04-2021</a:t>
             </a:fld>
             <a:endParaRPr lang="en-IN"/>
           </a:p>
@@ -2157,7 +2159,7 @@
           <a:p>
             <a:fld id="{79C1445C-2573-4D78-B315-9402664198ED}" type="datetimeFigureOut">
               <a:rPr lang="en-IN" smtClean="0"/>
-              <a:t>16-03-2021</a:t>
+              <a:t>17-04-2021</a:t>
             </a:fld>
             <a:endParaRPr lang="en-IN"/>
           </a:p>
@@ -2475,7 +2477,7 @@
           <a:p>
             <a:fld id="{79C1445C-2573-4D78-B315-9402664198ED}" type="datetimeFigureOut">
               <a:rPr lang="en-IN" smtClean="0"/>
-              <a:t>16-03-2021</a:t>
+              <a:t>17-04-2021</a:t>
             </a:fld>
             <a:endParaRPr lang="en-IN"/>
           </a:p>
@@ -2854,7 +2856,7 @@
           <a:p>
             <a:fld id="{79C1445C-2573-4D78-B315-9402664198ED}" type="datetimeFigureOut">
               <a:rPr lang="en-IN" smtClean="0"/>
-              <a:t>16-03-2021</a:t>
+              <a:t>17-04-2021</a:t>
             </a:fld>
             <a:endParaRPr lang="en-IN"/>
           </a:p>
@@ -3560,11 +3562,7 @@
             </a:pPr>
             <a:r>
               <a:rPr lang="en-US" dirty="0" smtClean="0"/>
-              <a:t> </a:t>
-            </a:r>
-            <a:r>
-              <a:rPr lang="en-US" dirty="0" smtClean="0"/>
-              <a:t>This </a:t>
+              <a:t> This </a:t>
             </a:r>
             <a:r>
               <a:rPr lang="en-US" dirty="0"/>
@@ -4023,6 +4021,207 @@
 </file>
 
 <file path=ppt/slides/slide7.xml><?xml version="1.0" encoding="utf-8"?>
+<p:sld xmlns:a="http://schemas.openxmlformats.org/drawingml/2006/main" xmlns:r="http://schemas.openxmlformats.org/officeDocument/2006/relationships" xmlns:p="http://schemas.openxmlformats.org/presentationml/2006/main">
+  <p:cSld>
+    <p:spTree>
+      <p:nvGrpSpPr>
+        <p:cNvPr id="1" name=""/>
+        <p:cNvGrpSpPr/>
+        <p:nvPr/>
+      </p:nvGrpSpPr>
+      <p:grpSpPr>
+        <a:xfrm>
+          <a:off x="0" y="0"/>
+          <a:ext cx="0" cy="0"/>
+          <a:chOff x="0" y="0"/>
+          <a:chExt cx="0" cy="0"/>
+        </a:xfrm>
+      </p:grpSpPr>
+      <p:sp>
+        <p:nvSpPr>
+          <p:cNvPr id="2" name="Title 1"/>
+          <p:cNvSpPr>
+            <a:spLocks noGrp="1"/>
+          </p:cNvSpPr>
+          <p:nvPr>
+            <p:ph type="title"/>
+          </p:nvPr>
+        </p:nvSpPr>
+        <p:spPr/>
+        <p:txBody>
+          <a:bodyPr/>
+          <a:lstStyle/>
+          <a:p>
+            <a:pPr algn="ctr"/>
+            <a:r>
+              <a:rPr lang="en-IN" dirty="0" smtClean="0"/>
+              <a:t>Modules</a:t>
+            </a:r>
+            <a:endParaRPr lang="en-IN" dirty="0"/>
+          </a:p>
+        </p:txBody>
+      </p:sp>
+      <p:sp>
+        <p:nvSpPr>
+          <p:cNvPr id="3" name="Content Placeholder 2"/>
+          <p:cNvSpPr>
+            <a:spLocks noGrp="1"/>
+          </p:cNvSpPr>
+          <p:nvPr>
+            <p:ph idx="1"/>
+          </p:nvPr>
+        </p:nvSpPr>
+        <p:spPr>
+          <a:xfrm>
+            <a:off x="457200" y="2060848"/>
+            <a:ext cx="7620000" cy="4339952"/>
+          </a:xfrm>
+        </p:spPr>
+        <p:txBody>
+          <a:bodyPr/>
+          <a:lstStyle/>
+          <a:p>
+            <a:pPr marL="571500" indent="-457200">
+              <a:lnSpc>
+                <a:spcPct val="150000"/>
+              </a:lnSpc>
+              <a:buFont typeface="+mj-lt"/>
+              <a:buAutoNum type="arabicPeriod"/>
+            </a:pPr>
+            <a:r>
+              <a:rPr lang="en-IN" dirty="0" smtClean="0"/>
+              <a:t>Image Pre-processing</a:t>
+            </a:r>
+          </a:p>
+          <a:p>
+            <a:pPr marL="571500" indent="-457200">
+              <a:lnSpc>
+                <a:spcPct val="150000"/>
+              </a:lnSpc>
+              <a:buFont typeface="+mj-lt"/>
+              <a:buAutoNum type="arabicPeriod"/>
+            </a:pPr>
+            <a:r>
+              <a:rPr lang="en-IN" dirty="0" smtClean="0"/>
+              <a:t>DCT Histogram Generation</a:t>
+            </a:r>
+          </a:p>
+          <a:p>
+            <a:pPr marL="571500" indent="-457200">
+              <a:lnSpc>
+                <a:spcPct val="150000"/>
+              </a:lnSpc>
+              <a:buFont typeface="+mj-lt"/>
+              <a:buAutoNum type="arabicPeriod"/>
+            </a:pPr>
+            <a:r>
+              <a:rPr lang="en-IN" dirty="0" smtClean="0"/>
+              <a:t>Image Quantization Mechanism</a:t>
+            </a:r>
+          </a:p>
+          <a:p>
+            <a:pPr marL="571500" indent="-457200">
+              <a:lnSpc>
+                <a:spcPct val="150000"/>
+              </a:lnSpc>
+              <a:buFont typeface="+mj-lt"/>
+              <a:buAutoNum type="arabicPeriod"/>
+            </a:pPr>
+            <a:r>
+              <a:rPr lang="en-IN" dirty="0" smtClean="0"/>
+              <a:t>Defect Detection</a:t>
+            </a:r>
+            <a:endParaRPr lang="en-IN" dirty="0"/>
+          </a:p>
+        </p:txBody>
+      </p:sp>
+    </p:spTree>
+    <p:extLst>
+      <p:ext uri="{BB962C8B-B14F-4D97-AF65-F5344CB8AC3E}">
+        <p14:creationId xmlns:p14="http://schemas.microsoft.com/office/powerpoint/2010/main" val="3132216044"/>
+      </p:ext>
+    </p:extLst>
+  </p:cSld>
+  <p:clrMapOvr>
+    <a:masterClrMapping/>
+  </p:clrMapOvr>
+</p:sld>
+</file>
+
+<file path=ppt/slides/slide8.xml><?xml version="1.0" encoding="utf-8"?>
+<p:sld xmlns:a="http://schemas.openxmlformats.org/drawingml/2006/main" xmlns:r="http://schemas.openxmlformats.org/officeDocument/2006/relationships" xmlns:p="http://schemas.openxmlformats.org/presentationml/2006/main">
+  <p:cSld>
+    <p:spTree>
+      <p:nvGrpSpPr>
+        <p:cNvPr id="1" name=""/>
+        <p:cNvGrpSpPr/>
+        <p:nvPr/>
+      </p:nvGrpSpPr>
+      <p:grpSpPr>
+        <a:xfrm>
+          <a:off x="0" y="0"/>
+          <a:ext cx="0" cy="0"/>
+          <a:chOff x="0" y="0"/>
+          <a:chExt cx="0" cy="0"/>
+        </a:xfrm>
+      </p:grpSpPr>
+      <p:sp>
+        <p:nvSpPr>
+          <p:cNvPr id="2" name="Title 1"/>
+          <p:cNvSpPr>
+            <a:spLocks noGrp="1"/>
+          </p:cNvSpPr>
+          <p:nvPr>
+            <p:ph type="title"/>
+          </p:nvPr>
+        </p:nvSpPr>
+        <p:spPr/>
+        <p:txBody>
+          <a:bodyPr/>
+          <a:lstStyle/>
+          <a:p>
+            <a:pPr algn="ctr"/>
+            <a:r>
+              <a:rPr lang="en-IN" dirty="0" smtClean="0"/>
+              <a:t>Data Flow Diagram</a:t>
+            </a:r>
+            <a:endParaRPr lang="en-IN" dirty="0"/>
+          </a:p>
+        </p:txBody>
+      </p:sp>
+      <p:sp>
+        <p:nvSpPr>
+          <p:cNvPr id="3" name="Content Placeholder 2"/>
+          <p:cNvSpPr>
+            <a:spLocks noGrp="1"/>
+          </p:cNvSpPr>
+          <p:nvPr>
+            <p:ph idx="1"/>
+          </p:nvPr>
+        </p:nvSpPr>
+        <p:spPr/>
+        <p:txBody>
+          <a:bodyPr/>
+          <a:lstStyle/>
+          <a:p>
+            <a:endParaRPr lang="en-IN" dirty="0"/>
+          </a:p>
+        </p:txBody>
+      </p:sp>
+    </p:spTree>
+    <p:extLst>
+      <p:ext uri="{BB962C8B-B14F-4D97-AF65-F5344CB8AC3E}">
+        <p14:creationId xmlns:p14="http://schemas.microsoft.com/office/powerpoint/2010/main" val="1542910002"/>
+      </p:ext>
+    </p:extLst>
+  </p:cSld>
+  <p:clrMapOvr>
+    <a:masterClrMapping/>
+  </p:clrMapOvr>
+</p:sld>
+</file>
+
+<file path=ppt/slides/slide9.xml><?xml version="1.0" encoding="utf-8"?>
 <p:sld xmlns:a="http://schemas.openxmlformats.org/drawingml/2006/main" xmlns:r="http://schemas.openxmlformats.org/officeDocument/2006/relationships" xmlns:p="http://schemas.openxmlformats.org/presentationml/2006/main">
   <p:cSld>
     <p:spTree>
